--- a/report/人工智慧簡報.pptx
+++ b/report/人工智慧簡報.pptx
@@ -15781,7 +15781,7 @@
           <a:p>
             <a:fld id="{9AC9940B-0A1A-4BFF-988F-0C8EDEE27521}" type="datetimeFigureOut">
               <a:rPr lang="zh-TW" altLang="en-US" smtClean="0"/>
-              <a:t>2022/12/25</a:t>
+              <a:t>2022/12/27</a:t>
             </a:fld>
             <a:endParaRPr lang="zh-TW" altLang="en-US"/>
           </a:p>
@@ -15979,7 +15979,7 @@
           <a:p>
             <a:fld id="{9AC9940B-0A1A-4BFF-988F-0C8EDEE27521}" type="datetimeFigureOut">
               <a:rPr lang="zh-TW" altLang="en-US" smtClean="0"/>
-              <a:t>2022/12/25</a:t>
+              <a:t>2022/12/27</a:t>
             </a:fld>
             <a:endParaRPr lang="zh-TW" altLang="en-US"/>
           </a:p>
@@ -16187,7 +16187,7 @@
           <a:p>
             <a:fld id="{9AC9940B-0A1A-4BFF-988F-0C8EDEE27521}" type="datetimeFigureOut">
               <a:rPr lang="zh-TW" altLang="en-US" smtClean="0"/>
-              <a:t>2022/12/25</a:t>
+              <a:t>2022/12/27</a:t>
             </a:fld>
             <a:endParaRPr lang="zh-TW" altLang="en-US"/>
           </a:p>
@@ -16385,7 +16385,7 @@
           <a:p>
             <a:fld id="{9AC9940B-0A1A-4BFF-988F-0C8EDEE27521}" type="datetimeFigureOut">
               <a:rPr lang="zh-TW" altLang="en-US" smtClean="0"/>
-              <a:t>2022/12/25</a:t>
+              <a:t>2022/12/27</a:t>
             </a:fld>
             <a:endParaRPr lang="zh-TW" altLang="en-US"/>
           </a:p>
@@ -16660,7 +16660,7 @@
           <a:p>
             <a:fld id="{9AC9940B-0A1A-4BFF-988F-0C8EDEE27521}" type="datetimeFigureOut">
               <a:rPr lang="zh-TW" altLang="en-US" smtClean="0"/>
-              <a:t>2022/12/25</a:t>
+              <a:t>2022/12/27</a:t>
             </a:fld>
             <a:endParaRPr lang="zh-TW" altLang="en-US"/>
           </a:p>
@@ -16925,7 +16925,7 @@
           <a:p>
             <a:fld id="{9AC9940B-0A1A-4BFF-988F-0C8EDEE27521}" type="datetimeFigureOut">
               <a:rPr lang="zh-TW" altLang="en-US" smtClean="0"/>
-              <a:t>2022/12/25</a:t>
+              <a:t>2022/12/27</a:t>
             </a:fld>
             <a:endParaRPr lang="zh-TW" altLang="en-US"/>
           </a:p>
@@ -17337,7 +17337,7 @@
           <a:p>
             <a:fld id="{9AC9940B-0A1A-4BFF-988F-0C8EDEE27521}" type="datetimeFigureOut">
               <a:rPr lang="zh-TW" altLang="en-US" smtClean="0"/>
-              <a:t>2022/12/25</a:t>
+              <a:t>2022/12/27</a:t>
             </a:fld>
             <a:endParaRPr lang="zh-TW" altLang="en-US"/>
           </a:p>
@@ -17478,7 +17478,7 @@
           <a:p>
             <a:fld id="{9AC9940B-0A1A-4BFF-988F-0C8EDEE27521}" type="datetimeFigureOut">
               <a:rPr lang="zh-TW" altLang="en-US" smtClean="0"/>
-              <a:t>2022/12/25</a:t>
+              <a:t>2022/12/27</a:t>
             </a:fld>
             <a:endParaRPr lang="zh-TW" altLang="en-US"/>
           </a:p>
@@ -17591,7 +17591,7 @@
           <a:p>
             <a:fld id="{9AC9940B-0A1A-4BFF-988F-0C8EDEE27521}" type="datetimeFigureOut">
               <a:rPr lang="zh-TW" altLang="en-US" smtClean="0"/>
-              <a:t>2022/12/25</a:t>
+              <a:t>2022/12/27</a:t>
             </a:fld>
             <a:endParaRPr lang="zh-TW" altLang="en-US"/>
           </a:p>
@@ -17902,7 +17902,7 @@
           <a:p>
             <a:fld id="{9AC9940B-0A1A-4BFF-988F-0C8EDEE27521}" type="datetimeFigureOut">
               <a:rPr lang="zh-TW" altLang="en-US" smtClean="0"/>
-              <a:t>2022/12/25</a:t>
+              <a:t>2022/12/27</a:t>
             </a:fld>
             <a:endParaRPr lang="zh-TW" altLang="en-US"/>
           </a:p>
@@ -18190,7 +18190,7 @@
           <a:p>
             <a:fld id="{9AC9940B-0A1A-4BFF-988F-0C8EDEE27521}" type="datetimeFigureOut">
               <a:rPr lang="zh-TW" altLang="en-US" smtClean="0"/>
-              <a:t>2022/12/25</a:t>
+              <a:t>2022/12/27</a:t>
             </a:fld>
             <a:endParaRPr lang="zh-TW" altLang="en-US"/>
           </a:p>
@@ -18431,7 +18431,7 @@
           <a:p>
             <a:fld id="{9AC9940B-0A1A-4BFF-988F-0C8EDEE27521}" type="datetimeFigureOut">
               <a:rPr lang="zh-TW" altLang="en-US" smtClean="0"/>
-              <a:t>2022/12/25</a:t>
+              <a:t>2022/12/27</a:t>
             </a:fld>
             <a:endParaRPr lang="zh-TW" altLang="en-US"/>
           </a:p>
@@ -18869,7 +18869,10 @@
           <a:bodyPr/>
           <a:lstStyle/>
           <a:p>
-            <a:endParaRPr lang="zh-TW" altLang="en-US"/>
+            <a:r>
+              <a:rPr lang="zh-TW" altLang="en-US" dirty="0"/>
+              <a:t>分析辨識模型</a:t>
+            </a:r>
           </a:p>
         </p:txBody>
       </p:sp>
@@ -18894,7 +18897,7 @@
           <a:bodyPr/>
           <a:lstStyle/>
           <a:p>
-            <a:endParaRPr lang="zh-TW" altLang="en-US"/>
+            <a:endParaRPr lang="zh-TW" altLang="en-US" dirty="0"/>
           </a:p>
         </p:txBody>
       </p:sp>
@@ -19278,6 +19281,76 @@
           </p:pic>
         </mc:Fallback>
       </mc:AlternateContent>
+      <p:sp>
+        <p:nvSpPr>
+          <p:cNvPr id="6" name="文字方塊 5">
+            <a:extLst>
+              <a:ext uri="{FF2B5EF4-FFF2-40B4-BE49-F238E27FC236}">
+                <a16:creationId xmlns:a16="http://schemas.microsoft.com/office/drawing/2014/main" id="{807A8E8E-D481-A006-2679-A21FCA461598}"/>
+              </a:ext>
+            </a:extLst>
+          </p:cNvPr>
+          <p:cNvSpPr txBox="1"/>
+          <p:nvPr/>
+        </p:nvSpPr>
+        <p:spPr>
+          <a:xfrm>
+            <a:off x="10552339" y="2272301"/>
+            <a:ext cx="1210588" cy="338554"/>
+          </a:xfrm>
+          <a:prstGeom prst="rect">
+            <a:avLst/>
+          </a:prstGeom>
+          <a:noFill/>
+        </p:spPr>
+        <p:txBody>
+          <a:bodyPr wrap="none" rtlCol="0">
+            <a:spAutoFit/>
+          </a:bodyPr>
+          <a:lstStyle/>
+          <a:p>
+            <a:r>
+              <a:rPr kumimoji="1" lang="zh-TW" altLang="en-US" sz="1600" dirty="0"/>
+              <a:t>神經元數量</a:t>
+            </a:r>
+          </a:p>
+        </p:txBody>
+      </p:sp>
+      <p:sp>
+        <p:nvSpPr>
+          <p:cNvPr id="9" name="文字方塊 8">
+            <a:extLst>
+              <a:ext uri="{FF2B5EF4-FFF2-40B4-BE49-F238E27FC236}">
+                <a16:creationId xmlns:a16="http://schemas.microsoft.com/office/drawing/2014/main" id="{B1950F17-EBDA-9FFC-E4A4-4514DA8E0344}"/>
+              </a:ext>
+            </a:extLst>
+          </p:cNvPr>
+          <p:cNvSpPr txBox="1"/>
+          <p:nvPr/>
+        </p:nvSpPr>
+        <p:spPr>
+          <a:xfrm>
+            <a:off x="10391664" y="5309755"/>
+            <a:ext cx="1107996" cy="369332"/>
+          </a:xfrm>
+          <a:prstGeom prst="rect">
+            <a:avLst/>
+          </a:prstGeom>
+          <a:noFill/>
+        </p:spPr>
+        <p:txBody>
+          <a:bodyPr wrap="none" rtlCol="0">
+            <a:spAutoFit/>
+          </a:bodyPr>
+          <a:lstStyle/>
+          <a:p>
+            <a:r>
+              <a:rPr kumimoji="1" lang="zh-TW" altLang="en-US" dirty="0"/>
+              <a:t>訓練次數</a:t>
+            </a:r>
+          </a:p>
+        </p:txBody>
+      </p:sp>
     </p:spTree>
     <p:extLst>
       <p:ext uri="{BB962C8B-B14F-4D97-AF65-F5344CB8AC3E}">
@@ -19403,6 +19476,76 @@
           </a:graphicData>
         </a:graphic>
       </p:graphicFrame>
+      <p:sp>
+        <p:nvSpPr>
+          <p:cNvPr id="3" name="文字方塊 2">
+            <a:extLst>
+              <a:ext uri="{FF2B5EF4-FFF2-40B4-BE49-F238E27FC236}">
+                <a16:creationId xmlns:a16="http://schemas.microsoft.com/office/drawing/2014/main" id="{183156A1-2363-2783-F90C-0DC2CEF7EBBD}"/>
+              </a:ext>
+            </a:extLst>
+          </p:cNvPr>
+          <p:cNvSpPr txBox="1"/>
+          <p:nvPr/>
+        </p:nvSpPr>
+        <p:spPr>
+          <a:xfrm>
+            <a:off x="10902166" y="5916046"/>
+            <a:ext cx="1210588" cy="338554"/>
+          </a:xfrm>
+          <a:prstGeom prst="rect">
+            <a:avLst/>
+          </a:prstGeom>
+          <a:noFill/>
+        </p:spPr>
+        <p:txBody>
+          <a:bodyPr wrap="none" rtlCol="0">
+            <a:spAutoFit/>
+          </a:bodyPr>
+          <a:lstStyle/>
+          <a:p>
+            <a:r>
+              <a:rPr kumimoji="1" lang="zh-TW" altLang="en-US" sz="1600" dirty="0"/>
+              <a:t>神經元數量</a:t>
+            </a:r>
+          </a:p>
+        </p:txBody>
+      </p:sp>
+      <p:sp>
+        <p:nvSpPr>
+          <p:cNvPr id="8" name="文字方塊 7">
+            <a:extLst>
+              <a:ext uri="{FF2B5EF4-FFF2-40B4-BE49-F238E27FC236}">
+                <a16:creationId xmlns:a16="http://schemas.microsoft.com/office/drawing/2014/main" id="{993CA1D9-E518-0614-C56C-D905F96D5FF8}"/>
+              </a:ext>
+            </a:extLst>
+          </p:cNvPr>
+          <p:cNvSpPr txBox="1"/>
+          <p:nvPr/>
+        </p:nvSpPr>
+        <p:spPr>
+          <a:xfrm>
+            <a:off x="11115675" y="2631640"/>
+            <a:ext cx="1107996" cy="369332"/>
+          </a:xfrm>
+          <a:prstGeom prst="rect">
+            <a:avLst/>
+          </a:prstGeom>
+          <a:noFill/>
+        </p:spPr>
+        <p:txBody>
+          <a:bodyPr wrap="none" rtlCol="0">
+            <a:spAutoFit/>
+          </a:bodyPr>
+          <a:lstStyle/>
+          <a:p>
+            <a:r>
+              <a:rPr kumimoji="1" lang="zh-TW" altLang="en-US" dirty="0"/>
+              <a:t>訓練次數</a:t>
+            </a:r>
+          </a:p>
+        </p:txBody>
+      </p:sp>
     </p:spTree>
     <p:extLst>
       <p:ext uri="{BB962C8B-B14F-4D97-AF65-F5344CB8AC3E}">
@@ -19528,6 +19671,76 @@
           </a:graphicData>
         </a:graphic>
       </p:graphicFrame>
+      <p:sp>
+        <p:nvSpPr>
+          <p:cNvPr id="2" name="文字方塊 1">
+            <a:extLst>
+              <a:ext uri="{FF2B5EF4-FFF2-40B4-BE49-F238E27FC236}">
+                <a16:creationId xmlns:a16="http://schemas.microsoft.com/office/drawing/2014/main" id="{7E447E3B-4E72-9C7B-EDBD-E7565C98F89A}"/>
+              </a:ext>
+            </a:extLst>
+          </p:cNvPr>
+          <p:cNvSpPr txBox="1"/>
+          <p:nvPr/>
+        </p:nvSpPr>
+        <p:spPr>
+          <a:xfrm>
+            <a:off x="10981412" y="5618174"/>
+            <a:ext cx="1210588" cy="338554"/>
+          </a:xfrm>
+          <a:prstGeom prst="rect">
+            <a:avLst/>
+          </a:prstGeom>
+          <a:noFill/>
+        </p:spPr>
+        <p:txBody>
+          <a:bodyPr wrap="none" rtlCol="0">
+            <a:spAutoFit/>
+          </a:bodyPr>
+          <a:lstStyle/>
+          <a:p>
+            <a:r>
+              <a:rPr kumimoji="1" lang="zh-TW" altLang="en-US" sz="1600" dirty="0"/>
+              <a:t>神經元數量</a:t>
+            </a:r>
+          </a:p>
+        </p:txBody>
+      </p:sp>
+      <p:sp>
+        <p:nvSpPr>
+          <p:cNvPr id="4" name="文字方塊 3">
+            <a:extLst>
+              <a:ext uri="{FF2B5EF4-FFF2-40B4-BE49-F238E27FC236}">
+                <a16:creationId xmlns:a16="http://schemas.microsoft.com/office/drawing/2014/main" id="{26F5A7CA-9E45-A084-372B-945606055DED}"/>
+              </a:ext>
+            </a:extLst>
+          </p:cNvPr>
+          <p:cNvSpPr txBox="1"/>
+          <p:nvPr/>
+        </p:nvSpPr>
+        <p:spPr>
+          <a:xfrm>
+            <a:off x="11116043" y="2393580"/>
+            <a:ext cx="1107996" cy="369332"/>
+          </a:xfrm>
+          <a:prstGeom prst="rect">
+            <a:avLst/>
+          </a:prstGeom>
+          <a:noFill/>
+        </p:spPr>
+        <p:txBody>
+          <a:bodyPr wrap="none" rtlCol="0">
+            <a:spAutoFit/>
+          </a:bodyPr>
+          <a:lstStyle/>
+          <a:p>
+            <a:r>
+              <a:rPr kumimoji="1" lang="zh-TW" altLang="en-US" dirty="0"/>
+              <a:t>訓練次數</a:t>
+            </a:r>
+          </a:p>
+        </p:txBody>
+      </p:sp>
     </p:spTree>
     <p:extLst>
       <p:ext uri="{BB962C8B-B14F-4D97-AF65-F5344CB8AC3E}">
@@ -19653,6 +19866,76 @@
           </a:graphicData>
         </a:graphic>
       </p:graphicFrame>
+      <p:sp>
+        <p:nvSpPr>
+          <p:cNvPr id="2" name="文字方塊 1">
+            <a:extLst>
+              <a:ext uri="{FF2B5EF4-FFF2-40B4-BE49-F238E27FC236}">
+                <a16:creationId xmlns:a16="http://schemas.microsoft.com/office/drawing/2014/main" id="{86E9115F-CFAE-D1F3-2ECE-EDDBDE1623F6}"/>
+              </a:ext>
+            </a:extLst>
+          </p:cNvPr>
+          <p:cNvSpPr txBox="1"/>
+          <p:nvPr/>
+        </p:nvSpPr>
+        <p:spPr>
+          <a:xfrm>
+            <a:off x="11141241" y="5399965"/>
+            <a:ext cx="1210588" cy="338554"/>
+          </a:xfrm>
+          <a:prstGeom prst="rect">
+            <a:avLst/>
+          </a:prstGeom>
+          <a:noFill/>
+        </p:spPr>
+        <p:txBody>
+          <a:bodyPr wrap="none" rtlCol="0">
+            <a:spAutoFit/>
+          </a:bodyPr>
+          <a:lstStyle/>
+          <a:p>
+            <a:r>
+              <a:rPr kumimoji="1" lang="zh-TW" altLang="en-US" sz="1600" dirty="0"/>
+              <a:t>神經元數量</a:t>
+            </a:r>
+          </a:p>
+        </p:txBody>
+      </p:sp>
+      <p:sp>
+        <p:nvSpPr>
+          <p:cNvPr id="3" name="文字方塊 2">
+            <a:extLst>
+              <a:ext uri="{FF2B5EF4-FFF2-40B4-BE49-F238E27FC236}">
+                <a16:creationId xmlns:a16="http://schemas.microsoft.com/office/drawing/2014/main" id="{C402A33F-13F4-A035-E12E-C05A5C341C26}"/>
+              </a:ext>
+            </a:extLst>
+          </p:cNvPr>
+          <p:cNvSpPr txBox="1"/>
+          <p:nvPr/>
+        </p:nvSpPr>
+        <p:spPr>
+          <a:xfrm>
+            <a:off x="11192537" y="2625987"/>
+            <a:ext cx="1107996" cy="369332"/>
+          </a:xfrm>
+          <a:prstGeom prst="rect">
+            <a:avLst/>
+          </a:prstGeom>
+          <a:noFill/>
+        </p:spPr>
+        <p:txBody>
+          <a:bodyPr wrap="none" rtlCol="0">
+            <a:spAutoFit/>
+          </a:bodyPr>
+          <a:lstStyle/>
+          <a:p>
+            <a:r>
+              <a:rPr kumimoji="1" lang="zh-TW" altLang="en-US" dirty="0"/>
+              <a:t>訓練次數</a:t>
+            </a:r>
+          </a:p>
+        </p:txBody>
+      </p:sp>
     </p:spTree>
     <p:extLst>
       <p:ext uri="{BB962C8B-B14F-4D97-AF65-F5344CB8AC3E}">
@@ -19738,7 +20021,7 @@
             </a:r>
             <a:r>
               <a:rPr lang="en-US" altLang="zh-TW" dirty="0"/>
-              <a:t>:10</a:t>
+              <a:t>:30</a:t>
             </a:r>
           </a:p>
           <a:p>
@@ -19775,6 +20058,331 @@
           </a:p>
         </p:txBody>
       </p:sp>
+      <p:graphicFrame>
+        <p:nvGraphicFramePr>
+          <p:cNvPr id="5" name="表格 5">
+            <a:extLst>
+              <a:ext uri="{FF2B5EF4-FFF2-40B4-BE49-F238E27FC236}">
+                <a16:creationId xmlns:a16="http://schemas.microsoft.com/office/drawing/2014/main" id="{926E6378-5663-E4AC-55A7-11C6F5ED0CC6}"/>
+              </a:ext>
+            </a:extLst>
+          </p:cNvPr>
+          <p:cNvGraphicFramePr>
+            <a:graphicFrameLocks noGrp="1"/>
+          </p:cNvGraphicFramePr>
+          <p:nvPr>
+            <p:extLst>
+              <p:ext uri="{D42A27DB-BD31-4B8C-83A1-F6EECF244321}">
+                <p14:modId xmlns:p14="http://schemas.microsoft.com/office/powerpoint/2010/main" val="1503250636"/>
+              </p:ext>
+            </p:extLst>
+          </p:nvPr>
+        </p:nvGraphicFramePr>
+        <p:xfrm>
+          <a:off x="1481281" y="4365856"/>
+          <a:ext cx="8128000" cy="1112520"/>
+        </p:xfrm>
+        <a:graphic>
+          <a:graphicData uri="http://schemas.openxmlformats.org/drawingml/2006/table">
+            <a:tbl>
+              <a:tblPr firstRow="1" bandRow="1">
+                <a:tableStyleId>{5C22544A-7EE6-4342-B048-85BDC9FD1C3A}</a:tableStyleId>
+              </a:tblPr>
+              <a:tblGrid>
+                <a:gridCol w="1625600">
+                  <a:extLst>
+                    <a:ext uri="{9D8B030D-6E8A-4147-A177-3AD203B41FA5}">
+                      <a16:colId xmlns:a16="http://schemas.microsoft.com/office/drawing/2014/main" val="865923412"/>
+                    </a:ext>
+                  </a:extLst>
+                </a:gridCol>
+                <a:gridCol w="1625600">
+                  <a:extLst>
+                    <a:ext uri="{9D8B030D-6E8A-4147-A177-3AD203B41FA5}">
+                      <a16:colId xmlns:a16="http://schemas.microsoft.com/office/drawing/2014/main" val="4050554312"/>
+                    </a:ext>
+                  </a:extLst>
+                </a:gridCol>
+                <a:gridCol w="1625600">
+                  <a:extLst>
+                    <a:ext uri="{9D8B030D-6E8A-4147-A177-3AD203B41FA5}">
+                      <a16:colId xmlns:a16="http://schemas.microsoft.com/office/drawing/2014/main" val="3173541587"/>
+                    </a:ext>
+                  </a:extLst>
+                </a:gridCol>
+                <a:gridCol w="1625600">
+                  <a:extLst>
+                    <a:ext uri="{9D8B030D-6E8A-4147-A177-3AD203B41FA5}">
+                      <a16:colId xmlns:a16="http://schemas.microsoft.com/office/drawing/2014/main" val="3413032821"/>
+                    </a:ext>
+                  </a:extLst>
+                </a:gridCol>
+                <a:gridCol w="1625600">
+                  <a:extLst>
+                    <a:ext uri="{9D8B030D-6E8A-4147-A177-3AD203B41FA5}">
+                      <a16:colId xmlns:a16="http://schemas.microsoft.com/office/drawing/2014/main" val="963262360"/>
+                    </a:ext>
+                  </a:extLst>
+                </a:gridCol>
+              </a:tblGrid>
+              <a:tr h="370840">
+                <a:tc>
+                  <a:txBody>
+                    <a:bodyPr/>
+                    <a:lstStyle/>
+                    <a:p>
+                      <a:endParaRPr lang="zh-TW" altLang="en-US" dirty="0"/>
+                    </a:p>
+                  </a:txBody>
+                  <a:tcPr/>
+                </a:tc>
+                <a:tc>
+                  <a:txBody>
+                    <a:bodyPr/>
+                    <a:lstStyle/>
+                    <a:p>
+                      <a:r>
+                        <a:rPr lang="zh-TW" altLang="en-US" dirty="0"/>
+                        <a:t>訓練資料</a:t>
+                      </a:r>
+                    </a:p>
+                  </a:txBody>
+                  <a:tcPr/>
+                </a:tc>
+                <a:tc>
+                  <a:txBody>
+                    <a:bodyPr/>
+                    <a:lstStyle/>
+                    <a:p>
+                      <a:r>
+                        <a:rPr lang="zh-TW" altLang="en-US" dirty="0"/>
+                        <a:t>標楷體</a:t>
+                      </a:r>
+                    </a:p>
+                  </a:txBody>
+                  <a:tcPr/>
+                </a:tc>
+                <a:tc>
+                  <a:txBody>
+                    <a:bodyPr/>
+                    <a:lstStyle/>
+                    <a:p>
+                      <a:r>
+                        <a:rPr lang="en-US" altLang="zh-TW" dirty="0"/>
+                        <a:t>b1</a:t>
+                      </a:r>
+                      <a:endParaRPr lang="zh-TW" altLang="en-US" dirty="0"/>
+                    </a:p>
+                  </a:txBody>
+                  <a:tcPr/>
+                </a:tc>
+                <a:tc>
+                  <a:txBody>
+                    <a:bodyPr/>
+                    <a:lstStyle/>
+                    <a:p>
+                      <a:r>
+                        <a:rPr lang="en-US" altLang="zh-TW" dirty="0"/>
+                        <a:t>b2</a:t>
+                      </a:r>
+                      <a:endParaRPr lang="zh-TW" altLang="en-US" dirty="0"/>
+                    </a:p>
+                  </a:txBody>
+                  <a:tcPr/>
+                </a:tc>
+                <a:extLst>
+                  <a:ext uri="{0D108BD9-81ED-4DB2-BD59-A6C34878D82A}">
+                    <a16:rowId xmlns:a16="http://schemas.microsoft.com/office/drawing/2014/main" val="1523402763"/>
+                  </a:ext>
+                </a:extLst>
+              </a:tr>
+              <a:tr h="370840">
+                <a:tc>
+                  <a:txBody>
+                    <a:bodyPr/>
+                    <a:lstStyle/>
+                    <a:p>
+                      <a:pPr marL="0" marR="0" lvl="0" indent="0" algn="l" defTabSz="914400" rtl="0" eaLnBrk="1" fontAlgn="auto" latinLnBrk="0" hangingPunct="1">
+                        <a:lnSpc>
+                          <a:spcPct val="100000"/>
+                        </a:lnSpc>
+                        <a:spcBef>
+                          <a:spcPts val="0"/>
+                        </a:spcBef>
+                        <a:spcAft>
+                          <a:spcPts val="0"/>
+                        </a:spcAft>
+                        <a:buClrTx/>
+                        <a:buSzTx/>
+                        <a:buFontTx/>
+                        <a:buNone/>
+                        <a:tabLst/>
+                        <a:defRPr/>
+                      </a:pPr>
+                      <a:r>
+                        <a:rPr kumimoji="1" lang="zh-TW" altLang="en-US" dirty="0"/>
+                        <a:t>訓練次數</a:t>
+                      </a:r>
+                    </a:p>
+                  </a:txBody>
+                  <a:tcPr/>
+                </a:tc>
+                <a:tc>
+                  <a:txBody>
+                    <a:bodyPr/>
+                    <a:lstStyle/>
+                    <a:p>
+                      <a:r>
+                        <a:rPr lang="zh-TW" altLang="en-US" dirty="0"/>
+                        <a:t>越高越好</a:t>
+                      </a:r>
+                    </a:p>
+                  </a:txBody>
+                  <a:tcPr/>
+                </a:tc>
+                <a:tc>
+                  <a:txBody>
+                    <a:bodyPr/>
+                    <a:lstStyle/>
+                    <a:p>
+                      <a:r>
+                        <a:rPr lang="zh-TW" altLang="en-US" dirty="0"/>
+                        <a:t>Ｘ</a:t>
+                      </a:r>
+                    </a:p>
+                  </a:txBody>
+                  <a:tcPr/>
+                </a:tc>
+                <a:tc>
+                  <a:txBody>
+                    <a:bodyPr/>
+                    <a:lstStyle/>
+                    <a:p>
+                      <a:r>
+                        <a:rPr lang="en-US" altLang="zh-TW" dirty="0"/>
+                        <a:t>&gt;=30</a:t>
+                      </a:r>
+                      <a:endParaRPr lang="zh-TW" altLang="en-US" dirty="0"/>
+                    </a:p>
+                  </a:txBody>
+                  <a:tcPr/>
+                </a:tc>
+                <a:tc>
+                  <a:txBody>
+                    <a:bodyPr/>
+                    <a:lstStyle/>
+                    <a:p>
+                      <a:r>
+                        <a:rPr lang="en-US" altLang="zh-TW" dirty="0"/>
+                        <a:t>&lt;=10</a:t>
+                      </a:r>
+                      <a:endParaRPr lang="zh-TW" altLang="en-US" dirty="0"/>
+                    </a:p>
+                  </a:txBody>
+                  <a:tcPr/>
+                </a:tc>
+                <a:extLst>
+                  <a:ext uri="{0D108BD9-81ED-4DB2-BD59-A6C34878D82A}">
+                    <a16:rowId xmlns:a16="http://schemas.microsoft.com/office/drawing/2014/main" val="1062911206"/>
+                  </a:ext>
+                </a:extLst>
+              </a:tr>
+              <a:tr h="370840">
+                <a:tc>
+                  <a:txBody>
+                    <a:bodyPr/>
+                    <a:lstStyle/>
+                    <a:p>
+                      <a:pPr marL="0" marR="0" lvl="0" indent="0" algn="l" defTabSz="914400" rtl="0" eaLnBrk="1" fontAlgn="auto" latinLnBrk="0" hangingPunct="1">
+                        <a:lnSpc>
+                          <a:spcPct val="100000"/>
+                        </a:lnSpc>
+                        <a:spcBef>
+                          <a:spcPts val="0"/>
+                        </a:spcBef>
+                        <a:spcAft>
+                          <a:spcPts val="0"/>
+                        </a:spcAft>
+                        <a:buClrTx/>
+                        <a:buSzTx/>
+                        <a:buFontTx/>
+                        <a:buNone/>
+                        <a:tabLst/>
+                        <a:defRPr/>
+                      </a:pPr>
+                      <a:r>
+                        <a:rPr lang="zh-TW" altLang="en-US" dirty="0"/>
+                        <a:t>神經元數</a:t>
+                      </a:r>
+                      <a:endParaRPr kumimoji="1" lang="zh-TW" altLang="en-US" dirty="0"/>
+                    </a:p>
+                  </a:txBody>
+                  <a:tcPr/>
+                </a:tc>
+                <a:tc>
+                  <a:txBody>
+                    <a:bodyPr/>
+                    <a:lstStyle/>
+                    <a:p>
+                      <a:r>
+                        <a:rPr lang="zh-TW" altLang="en-US" dirty="0"/>
+                        <a:t>Ｘ</a:t>
+                      </a:r>
+                    </a:p>
+                  </a:txBody>
+                  <a:tcPr/>
+                </a:tc>
+                <a:tc>
+                  <a:txBody>
+                    <a:bodyPr/>
+                    <a:lstStyle/>
+                    <a:p>
+                      <a:r>
+                        <a:rPr lang="en-US" altLang="zh-TW" dirty="0"/>
+                        <a:t>256</a:t>
+                      </a:r>
+                      <a:endParaRPr lang="zh-TW" altLang="en-US" dirty="0"/>
+                    </a:p>
+                  </a:txBody>
+                  <a:tcPr/>
+                </a:tc>
+                <a:tc>
+                  <a:txBody>
+                    <a:bodyPr/>
+                    <a:lstStyle/>
+                    <a:p>
+                      <a:r>
+                        <a:rPr lang="en-US" altLang="zh-TW" dirty="0"/>
+                        <a:t>64-512</a:t>
+                      </a:r>
+                      <a:endParaRPr lang="zh-TW" altLang="en-US" dirty="0"/>
+                    </a:p>
+                  </a:txBody>
+                  <a:tcPr/>
+                </a:tc>
+                <a:tc>
+                  <a:txBody>
+                    <a:bodyPr/>
+                    <a:lstStyle/>
+                    <a:p>
+                      <a:r>
+                        <a:rPr lang="en-US" altLang="zh-TW" dirty="0"/>
+                        <a:t>&gt;1024</a:t>
+                      </a:r>
+                    </a:p>
+                  </a:txBody>
+                  <a:tcPr/>
+                </a:tc>
+                <a:extLst>
+                  <a:ext uri="{0D108BD9-81ED-4DB2-BD59-A6C34878D82A}">
+                    <a16:rowId xmlns:a16="http://schemas.microsoft.com/office/drawing/2014/main" val="3468505569"/>
+                  </a:ext>
+                </a:extLst>
+              </a:tr>
+            </a:tbl>
+          </a:graphicData>
+        </a:graphic>
+      </p:graphicFrame>
     </p:spTree>
     <p:extLst>
       <p:ext uri="{BB962C8B-B14F-4D97-AF65-F5344CB8AC3E}">
@@ -19858,7 +20466,10 @@
           <a:bodyPr/>
           <a:lstStyle/>
           <a:p>
-            <a:endParaRPr lang="zh-TW" altLang="en-US" dirty="0"/>
+            <a:r>
+              <a:rPr lang="zh-TW" altLang="en-US" dirty="0"/>
+              <a:t>可以成為我們之後玩人工智慧的參考依據。</a:t>
+            </a:r>
           </a:p>
         </p:txBody>
       </p:sp>
@@ -19960,6 +20571,13 @@
             <a:r>
               <a:rPr lang="zh-TW" altLang="en-US" dirty="0"/>
               <a:t>。</a:t>
+            </a:r>
+            <a:endParaRPr lang="en-US" altLang="zh-TW" dirty="0"/>
+          </a:p>
+          <a:p>
+            <a:r>
+              <a:rPr lang="zh-TW" altLang="en-US" dirty="0"/>
+              <a:t>了解神經元數與訓練次數的影響</a:t>
             </a:r>
             <a:endParaRPr lang="en-US" altLang="zh-TW" dirty="0"/>
           </a:p>
@@ -22211,12 +22829,9 @@
 </file>
 
 <file path=customXml/item1.xml><?xml version="1.0" encoding="utf-8"?>
-<?mso-contentType ?>
-<FormTemplates xmlns="http://schemas.microsoft.com/sharepoint/v3/contenttype/forms">
-  <Display>DocumentLibraryForm</Display>
-  <Edit>DocumentLibraryForm</Edit>
-  <New>DocumentLibraryForm</New>
-</FormTemplates>
+<p:properties xmlns:p="http://schemas.microsoft.com/office/2006/metadata/properties" xmlns:xsi="http://www.w3.org/2001/XMLSchema-instance" xmlns:pc="http://schemas.microsoft.com/office/infopath/2007/PartnerControls">
+  <documentManagement/>
+</p:properties>
 </file>
 
 <file path=customXml/item2.xml><?xml version="1.0" encoding="utf-8"?>
@@ -22352,15 +22967,26 @@
 </file>
 
 <file path=customXml/item3.xml><?xml version="1.0" encoding="utf-8"?>
-<p:properties xmlns:p="http://schemas.microsoft.com/office/2006/metadata/properties" xmlns:xsi="http://www.w3.org/2001/XMLSchema-instance" xmlns:pc="http://schemas.microsoft.com/office/infopath/2007/PartnerControls">
-  <documentManagement/>
-</p:properties>
+<?mso-contentType ?>
+<FormTemplates xmlns="http://schemas.microsoft.com/sharepoint/v3/contenttype/forms">
+  <Display>DocumentLibraryForm</Display>
+  <Edit>DocumentLibraryForm</Edit>
+  <New>DocumentLibraryForm</New>
+</FormTemplates>
 </file>
 
 <file path=customXml/itemProps1.xml><?xml version="1.0" encoding="utf-8"?>
-<ds:datastoreItem xmlns:ds="http://schemas.openxmlformats.org/officeDocument/2006/customXml" ds:itemID="{C92779CC-D1D3-4257-A75E-3C3BF498AD5C}">
+<ds:datastoreItem xmlns:ds="http://schemas.openxmlformats.org/officeDocument/2006/customXml" ds:itemID="{556C7839-364A-402C-9D01-B3BA0A58244F}">
   <ds:schemaRefs>
-    <ds:schemaRef ds:uri="http://schemas.microsoft.com/sharepoint/v3/contenttype/forms"/>
+    <ds:schemaRef ds:uri="http://www.w3.org/XML/1998/namespace"/>
+    <ds:schemaRef ds:uri="http://schemas.microsoft.com/office/infopath/2007/PartnerControls"/>
+    <ds:schemaRef ds:uri="http://purl.org/dc/dcmitype/"/>
+    <ds:schemaRef ds:uri="http://schemas.openxmlformats.org/package/2006/metadata/core-properties"/>
+    <ds:schemaRef ds:uri="http://schemas.microsoft.com/office/2006/documentManagement/types"/>
+    <ds:schemaRef ds:uri="http://purl.org/dc/terms/"/>
+    <ds:schemaRef ds:uri="0195235d-d87a-4952-bfc4-8a7d1d172791"/>
+    <ds:schemaRef ds:uri="http://schemas.microsoft.com/office/2006/metadata/properties"/>
+    <ds:schemaRef ds:uri="http://purl.org/dc/elements/1.1/"/>
   </ds:schemaRefs>
 </ds:datastoreItem>
 </file>
@@ -22384,17 +23010,9 @@
 </file>
 
 <file path=customXml/itemProps3.xml><?xml version="1.0" encoding="utf-8"?>
-<ds:datastoreItem xmlns:ds="http://schemas.openxmlformats.org/officeDocument/2006/customXml" ds:itemID="{556C7839-364A-402C-9D01-B3BA0A58244F}">
+<ds:datastoreItem xmlns:ds="http://schemas.openxmlformats.org/officeDocument/2006/customXml" ds:itemID="{C92779CC-D1D3-4257-A75E-3C3BF498AD5C}">
   <ds:schemaRefs>
-    <ds:schemaRef ds:uri="http://www.w3.org/XML/1998/namespace"/>
-    <ds:schemaRef ds:uri="http://schemas.microsoft.com/office/infopath/2007/PartnerControls"/>
-    <ds:schemaRef ds:uri="http://purl.org/dc/dcmitype/"/>
-    <ds:schemaRef ds:uri="http://schemas.openxmlformats.org/package/2006/metadata/core-properties"/>
-    <ds:schemaRef ds:uri="http://schemas.microsoft.com/office/2006/documentManagement/types"/>
-    <ds:schemaRef ds:uri="http://purl.org/dc/terms/"/>
-    <ds:schemaRef ds:uri="0195235d-d87a-4952-bfc4-8a7d1d172791"/>
-    <ds:schemaRef ds:uri="http://schemas.microsoft.com/office/2006/metadata/properties"/>
-    <ds:schemaRef ds:uri="http://purl.org/dc/elements/1.1/"/>
+    <ds:schemaRef ds:uri="http://schemas.microsoft.com/sharepoint/v3/contenttype/forms"/>
   </ds:schemaRefs>
 </ds:datastoreItem>
 </file>